--- a/Write-Up.pptx
+++ b/Write-Up.pptx
@@ -115,6 +115,11 @@
       </a:defRPr>
     </a:lvl9pPr>
   </p:defaultTextStyle>
+  <p:extLst>
+    <p:ext uri="{EFAFB233-063F-42B5-8137-9DF3F51BA10A}">
+      <p15:sldGuideLst xmlns:p15="http://schemas.microsoft.com/office/powerpoint/2012/main"/>
+    </p:ext>
+  </p:extLst>
 </p:presentation>
 </file>
 
@@ -3059,7 +3064,11 @@
             </a:r>
             <a:r>
               <a:rPr lang="en-US" smtClean="0"/>
-              <a:t>	https://github.com/Oleg-algebra/Practise_Samsung_CTF</a:t>
+              <a:t>	</a:t>
+            </a:r>
+            <a:r>
+              <a:rPr lang="en-US"/>
+              <a:t>https://github.com/Oleg-algebra/CTF_Practice</a:t>
             </a:r>
             <a:endParaRPr lang="uk-UA" dirty="0"/>
           </a:p>
